--- a/発表_p/20220627_発表.pptx
+++ b/発表_p/20220627_発表.pptx
@@ -327,7 +327,7 @@
           <a:p>
             <a:fld id="{48A87A34-81AB-432B-8DAE-1953F412C126}" type="datetimeFigureOut">
               <a:rPr lang="en-US" smtClean="0"/>
-              <a:t>6/27/2022</a:t>
+              <a:t>7/11/2022</a:t>
             </a:fld>
             <a:endParaRPr lang="en-US" dirty="0"/>
           </a:p>
@@ -557,7 +557,7 @@
           <a:p>
             <a:fld id="{48A87A34-81AB-432B-8DAE-1953F412C126}" type="datetimeFigureOut">
               <a:rPr lang="en-US" smtClean="0"/>
-              <a:t>6/27/2022</a:t>
+              <a:t>7/11/2022</a:t>
             </a:fld>
             <a:endParaRPr lang="en-US" dirty="0"/>
           </a:p>
@@ -797,7 +797,7 @@
           <a:p>
             <a:fld id="{48A87A34-81AB-432B-8DAE-1953F412C126}" type="datetimeFigureOut">
               <a:rPr lang="en-US" smtClean="0"/>
-              <a:t>6/27/2022</a:t>
+              <a:t>7/11/2022</a:t>
             </a:fld>
             <a:endParaRPr lang="en-US" dirty="0"/>
           </a:p>
@@ -1027,7 +1027,7 @@
           <a:p>
             <a:fld id="{48A87A34-81AB-432B-8DAE-1953F412C126}" type="datetimeFigureOut">
               <a:rPr lang="en-US" smtClean="0"/>
-              <a:t>6/27/2022</a:t>
+              <a:t>7/11/2022</a:t>
             </a:fld>
             <a:endParaRPr lang="en-US" dirty="0"/>
           </a:p>
@@ -1302,7 +1302,7 @@
           <a:p>
             <a:fld id="{48A87A34-81AB-432B-8DAE-1953F412C126}" type="datetimeFigureOut">
               <a:rPr lang="en-US" smtClean="0"/>
-              <a:t>6/27/2022</a:t>
+              <a:t>7/11/2022</a:t>
             </a:fld>
             <a:endParaRPr lang="en-US" dirty="0"/>
           </a:p>
@@ -1631,7 +1631,7 @@
           <a:p>
             <a:fld id="{48A87A34-81AB-432B-8DAE-1953F412C126}" type="datetimeFigureOut">
               <a:rPr lang="en-US" smtClean="0"/>
-              <a:t>6/27/2022</a:t>
+              <a:t>7/11/2022</a:t>
             </a:fld>
             <a:endParaRPr lang="en-US" dirty="0"/>
           </a:p>
@@ -2107,7 +2107,7 @@
           <a:p>
             <a:fld id="{48A87A34-81AB-432B-8DAE-1953F412C126}" type="datetimeFigureOut">
               <a:rPr lang="en-US" smtClean="0"/>
-              <a:t>6/27/2022</a:t>
+              <a:t>7/11/2022</a:t>
             </a:fld>
             <a:endParaRPr lang="en-US" dirty="0"/>
           </a:p>
@@ -2248,7 +2248,7 @@
           <a:p>
             <a:fld id="{48A87A34-81AB-432B-8DAE-1953F412C126}" type="datetimeFigureOut">
               <a:rPr lang="en-US" smtClean="0"/>
-              <a:t>6/27/2022</a:t>
+              <a:t>7/11/2022</a:t>
             </a:fld>
             <a:endParaRPr lang="en-US" dirty="0"/>
           </a:p>
@@ -2361,7 +2361,7 @@
           <a:p>
             <a:fld id="{48A87A34-81AB-432B-8DAE-1953F412C126}" type="datetimeFigureOut">
               <a:rPr lang="en-US" smtClean="0"/>
-              <a:t>6/27/2022</a:t>
+              <a:t>7/11/2022</a:t>
             </a:fld>
             <a:endParaRPr lang="en-US" dirty="0"/>
           </a:p>
@@ -2704,7 +2704,7 @@
           <a:p>
             <a:fld id="{48A87A34-81AB-432B-8DAE-1953F412C126}" type="datetimeFigureOut">
               <a:rPr lang="en-US" smtClean="0"/>
-              <a:t>6/27/2022</a:t>
+              <a:t>7/11/2022</a:t>
             </a:fld>
             <a:endParaRPr lang="en-US" dirty="0"/>
           </a:p>
@@ -2993,7 +2993,7 @@
             <a:fld id="{48A87A34-81AB-432B-8DAE-1953F412C126}" type="datetimeFigureOut">
               <a:rPr lang="en-US" smtClean="0"/>
               <a:pPr/>
-              <a:t>6/27/2022</a:t>
+              <a:t>7/11/2022</a:t>
             </a:fld>
             <a:endParaRPr lang="en-US" dirty="0"/>
           </a:p>
@@ -3267,7 +3267,7 @@
             <a:fld id="{48A87A34-81AB-432B-8DAE-1953F412C126}" type="datetimeFigureOut">
               <a:rPr lang="en-US" smtClean="0"/>
               <a:pPr/>
-              <a:t>6/27/2022</a:t>
+              <a:t>7/11/2022</a:t>
             </a:fld>
             <a:endParaRPr lang="en-US" dirty="0"/>
           </a:p>
@@ -4198,7 +4198,7 @@
         <p:spPr>
           <a:xfrm>
             <a:off x="808350" y="2023992"/>
-            <a:ext cx="8804573" cy="2123658"/>
+            <a:ext cx="8804573" cy="4585871"/>
           </a:xfrm>
           <a:prstGeom prst="rect">
             <a:avLst/>
@@ -4256,6 +4256,64 @@
                 <a:ea typeface="HGPｺﾞｼｯｸE" panose="020B0900000000000000" pitchFamily="50" charset="-128"/>
               </a:rPr>
               <a:t>もう一度考え直し</a:t>
+            </a:r>
+            <a:endParaRPr kumimoji="1" lang="en-US" altLang="ja-JP" sz="3200" dirty="0">
+              <a:latin typeface="HGPｺﾞｼｯｸE" panose="020B0900000000000000" pitchFamily="50" charset="-128"/>
+              <a:ea typeface="HGPｺﾞｼｯｸE" panose="020B0900000000000000" pitchFamily="50" charset="-128"/>
+            </a:endParaRPr>
+          </a:p>
+          <a:p>
+            <a:r>
+              <a:rPr lang="ja-JP" altLang="en-US" sz="3200" dirty="0">
+                <a:latin typeface="HGPｺﾞｼｯｸE" panose="020B0900000000000000" pitchFamily="50" charset="-128"/>
+                <a:ea typeface="HGPｺﾞｼｯｸE" panose="020B0900000000000000" pitchFamily="50" charset="-128"/>
+              </a:rPr>
+              <a:t>➞テーマ変更</a:t>
+            </a:r>
+            <a:endParaRPr lang="en-US" altLang="ja-JP" sz="3200" dirty="0">
+              <a:latin typeface="HGPｺﾞｼｯｸE" panose="020B0900000000000000" pitchFamily="50" charset="-128"/>
+              <a:ea typeface="HGPｺﾞｼｯｸE" panose="020B0900000000000000" pitchFamily="50" charset="-128"/>
+            </a:endParaRPr>
+          </a:p>
+          <a:p>
+            <a:r>
+              <a:rPr lang="ja-JP" altLang="en-US" sz="3200" b="0" dirty="0">
+                <a:effectLst/>
+                <a:latin typeface="HGP創英角ｺﾞｼｯｸUB" panose="020B0900000000000000" pitchFamily="50" charset="-128"/>
+                <a:ea typeface="HGP創英角ｺﾞｼｯｸUB" panose="020B0900000000000000" pitchFamily="50" charset="-128"/>
+              </a:rPr>
+              <a:t>「リアルタイムな作業進捗表示による</a:t>
+            </a:r>
+            <a:r>
+              <a:rPr lang="en-US" altLang="ja-JP" sz="3200" b="0" dirty="0">
+                <a:effectLst/>
+                <a:latin typeface="HGP創英角ｺﾞｼｯｸUB" panose="020B0900000000000000" pitchFamily="50" charset="-128"/>
+                <a:ea typeface="HGP創英角ｺﾞｼｯｸUB" panose="020B0900000000000000" pitchFamily="50" charset="-128"/>
+              </a:rPr>
+              <a:t>PC</a:t>
+            </a:r>
+            <a:r>
+              <a:rPr lang="ja-JP" altLang="en-US" sz="3200" b="0" dirty="0">
+                <a:effectLst/>
+                <a:latin typeface="HGP創英角ｺﾞｼｯｸUB" panose="020B0900000000000000" pitchFamily="50" charset="-128"/>
+                <a:ea typeface="HGP創英角ｺﾞｼｯｸUB" panose="020B0900000000000000" pitchFamily="50" charset="-128"/>
+              </a:rPr>
+              <a:t>タスクの集中力継続への影響」</a:t>
+            </a:r>
+          </a:p>
+          <a:p>
+            <a:endParaRPr kumimoji="1" lang="en-US" altLang="ja-JP" sz="3200" dirty="0">
+              <a:latin typeface="HGPｺﾞｼｯｸE" panose="020B0900000000000000" pitchFamily="50" charset="-128"/>
+              <a:ea typeface="HGPｺﾞｼｯｸE" panose="020B0900000000000000" pitchFamily="50" charset="-128"/>
+            </a:endParaRPr>
+          </a:p>
+          <a:p>
+            <a:r>
+              <a:rPr lang="ja-JP" altLang="en-US" sz="3200" dirty="0">
+                <a:latin typeface="HGPｺﾞｼｯｸE" panose="020B0900000000000000" pitchFamily="50" charset="-128"/>
+                <a:ea typeface="HGPｺﾞｼｯｸE" panose="020B0900000000000000" pitchFamily="50" charset="-128"/>
+              </a:rPr>
+              <a:t>・実験方法の確立のために文献調査</a:t>
             </a:r>
             <a:endParaRPr kumimoji="1" lang="en-US" altLang="ja-JP" sz="3200" dirty="0">
               <a:latin typeface="HGPｺﾞｼｯｸE" panose="020B0900000000000000" pitchFamily="50" charset="-128"/>
@@ -4308,7 +4366,7 @@
         </p:nvSpPr>
         <p:spPr>
           <a:xfrm>
-            <a:off x="-64168" y="0"/>
+            <a:off x="-19050" y="0"/>
             <a:ext cx="12256168" cy="6858000"/>
           </a:xfrm>
           <a:prstGeom prst="rect">
@@ -4561,7 +4619,7 @@
         </p:nvSpPr>
         <p:spPr>
           <a:xfrm>
-            <a:off x="808349" y="1967965"/>
+            <a:off x="503549" y="4049987"/>
             <a:ext cx="8804573" cy="584775"/>
           </a:xfrm>
           <a:prstGeom prst="rect">
@@ -4576,18 +4634,11 @@
           <a:lstStyle/>
           <a:p>
             <a:r>
-              <a:rPr kumimoji="1" lang="ja-JP" altLang="en-US" sz="3200" u="sng">
-                <a:latin typeface="HGS創英角ｺﾞｼｯｸUB" panose="020B0900000000000000" pitchFamily="50" charset="-128"/>
-                <a:ea typeface="HGS創英角ｺﾞｼｯｸUB" panose="020B0900000000000000" pitchFamily="50" charset="-128"/>
-              </a:rPr>
-              <a:t>・実験</a:t>
-            </a:r>
-            <a:r>
               <a:rPr kumimoji="1" lang="ja-JP" altLang="en-US" sz="3200" u="sng" dirty="0">
                 <a:latin typeface="HGS創英角ｺﾞｼｯｸUB" panose="020B0900000000000000" pitchFamily="50" charset="-128"/>
                 <a:ea typeface="HGS創英角ｺﾞｼｯｸUB" panose="020B0900000000000000" pitchFamily="50" charset="-128"/>
               </a:rPr>
-              <a:t>方法を考える</a:t>
+              <a:t>・実験方法を考える</a:t>
             </a:r>
           </a:p>
         </p:txBody>
@@ -4606,7 +4657,58 @@
         </p:nvSpPr>
         <p:spPr>
           <a:xfrm>
-            <a:off x="808348" y="2545160"/>
+            <a:off x="503549" y="4588896"/>
+            <a:ext cx="10164452" cy="1077218"/>
+          </a:xfrm>
+          <a:prstGeom prst="rect">
+            <a:avLst/>
+          </a:prstGeom>
+          <a:noFill/>
+        </p:spPr>
+        <p:txBody>
+          <a:bodyPr wrap="square" rtlCol="0">
+            <a:spAutoFit/>
+          </a:bodyPr>
+          <a:lstStyle/>
+          <a:p>
+            <a:r>
+              <a:rPr lang="ja-JP" altLang="en-US" sz="3200" dirty="0">
+                <a:latin typeface="HGS創英角ｺﾞｼｯｸUB" panose="020B0900000000000000" pitchFamily="50" charset="-128"/>
+                <a:ea typeface="HGS創英角ｺﾞｼｯｸUB" panose="020B0900000000000000" pitchFamily="50" charset="-128"/>
+              </a:rPr>
+              <a:t>実験方法も考え直すのでさらに文献を読み進めて</a:t>
+            </a:r>
+            <a:endParaRPr lang="en-US" altLang="ja-JP" sz="3200" dirty="0">
+              <a:latin typeface="HGS創英角ｺﾞｼｯｸUB" panose="020B0900000000000000" pitchFamily="50" charset="-128"/>
+              <a:ea typeface="HGS創英角ｺﾞｼｯｸUB" panose="020B0900000000000000" pitchFamily="50" charset="-128"/>
+            </a:endParaRPr>
+          </a:p>
+          <a:p>
+            <a:r>
+              <a:rPr kumimoji="1" lang="ja-JP" altLang="en-US" sz="3200" dirty="0">
+                <a:latin typeface="HGS創英角ｺﾞｼｯｸUB" panose="020B0900000000000000" pitchFamily="50" charset="-128"/>
+                <a:ea typeface="HGS創英角ｺﾞｼｯｸUB" panose="020B0900000000000000" pitchFamily="50" charset="-128"/>
+              </a:rPr>
+              <a:t>検討していく</a:t>
+            </a:r>
+          </a:p>
+        </p:txBody>
+      </p:sp>
+      <p:sp>
+        <p:nvSpPr>
+          <p:cNvPr id="9" name="テキスト ボックス 8">
+            <a:extLst>
+              <a:ext uri="{FF2B5EF4-FFF2-40B4-BE49-F238E27FC236}">
+                <a16:creationId xmlns:a16="http://schemas.microsoft.com/office/drawing/2014/main" id="{F3FA4C4D-917B-E14E-02E0-CBDEDEA102E9}"/>
+              </a:ext>
+            </a:extLst>
+          </p:cNvPr>
+          <p:cNvSpPr txBox="1"/>
+          <p:nvPr/>
+        </p:nvSpPr>
+        <p:spPr>
+          <a:xfrm>
+            <a:off x="503548" y="2036012"/>
             <a:ext cx="8804573" cy="584775"/>
           </a:xfrm>
           <a:prstGeom prst="rect">
@@ -4621,16 +4723,61 @@
           <a:lstStyle/>
           <a:p>
             <a:r>
-              <a:rPr lang="ja-JP" altLang="en-US" sz="3200" dirty="0">
+              <a:rPr kumimoji="1" lang="ja-JP" altLang="en-US" sz="3200" u="sng" dirty="0">
                 <a:latin typeface="HGS創英角ｺﾞｼｯｸUB" panose="020B0900000000000000" pitchFamily="50" charset="-128"/>
                 <a:ea typeface="HGS創英角ｺﾞｼｯｸUB" panose="020B0900000000000000" pitchFamily="50" charset="-128"/>
               </a:rPr>
-              <a:t>実験方法も考え直す</a:t>
-            </a:r>
-            <a:endParaRPr kumimoji="1" lang="ja-JP" altLang="en-US" sz="3200" dirty="0">
+              <a:t>・</a:t>
+            </a:r>
+            <a:r>
+              <a:rPr lang="ja-JP" altLang="en-US" sz="3200" u="sng" dirty="0">
+                <a:latin typeface="HGS創英角ｺﾞｼｯｸUB" panose="020B0900000000000000" pitchFamily="50" charset="-128"/>
+                <a:ea typeface="HGS創英角ｺﾞｼｯｸUB" panose="020B0900000000000000" pitchFamily="50" charset="-128"/>
+              </a:rPr>
+              <a:t>先輩方にテーマ内容について相談・確認</a:t>
+            </a:r>
+            <a:endParaRPr kumimoji="1" lang="ja-JP" altLang="en-US" sz="3200" u="sng" dirty="0">
               <a:latin typeface="HGS創英角ｺﾞｼｯｸUB" panose="020B0900000000000000" pitchFamily="50" charset="-128"/>
               <a:ea typeface="HGS創英角ｺﾞｼｯｸUB" panose="020B0900000000000000" pitchFamily="50" charset="-128"/>
             </a:endParaRPr>
+          </a:p>
+        </p:txBody>
+      </p:sp>
+      <p:sp>
+        <p:nvSpPr>
+          <p:cNvPr id="10" name="テキスト ボックス 9">
+            <a:extLst>
+              <a:ext uri="{FF2B5EF4-FFF2-40B4-BE49-F238E27FC236}">
+                <a16:creationId xmlns:a16="http://schemas.microsoft.com/office/drawing/2014/main" id="{23701AEE-940E-9A0C-48A1-2724EC829579}"/>
+              </a:ext>
+            </a:extLst>
+          </p:cNvPr>
+          <p:cNvSpPr txBox="1"/>
+          <p:nvPr/>
+        </p:nvSpPr>
+        <p:spPr>
+          <a:xfrm>
+            <a:off x="503548" y="2673694"/>
+            <a:ext cx="10164452" cy="584775"/>
+          </a:xfrm>
+          <a:prstGeom prst="rect">
+            <a:avLst/>
+          </a:prstGeom>
+          <a:noFill/>
+        </p:spPr>
+        <p:txBody>
+          <a:bodyPr wrap="square" rtlCol="0">
+            <a:spAutoFit/>
+          </a:bodyPr>
+          <a:lstStyle/>
+          <a:p>
+            <a:r>
+              <a:rPr kumimoji="1" lang="ja-JP" altLang="en-US" sz="3200" dirty="0">
+                <a:latin typeface="HGS創英角ｺﾞｼｯｸUB" panose="020B0900000000000000" pitchFamily="50" charset="-128"/>
+                <a:ea typeface="HGS創英角ｺﾞｼｯｸUB" panose="020B0900000000000000" pitchFamily="50" charset="-128"/>
+              </a:rPr>
+              <a:t>自信がないので相談しながら進めていく</a:t>
+            </a:r>
           </a:p>
         </p:txBody>
       </p:sp>

--- a/発表_p/20220627_発表.pptx
+++ b/発表_p/20220627_発表.pptx
@@ -7,7 +7,8 @@
   <p:sldIdLst>
     <p:sldId id="260" r:id="rId2"/>
     <p:sldId id="269" r:id="rId3"/>
-    <p:sldId id="271" r:id="rId4"/>
+    <p:sldId id="272" r:id="rId4"/>
+    <p:sldId id="271" r:id="rId5"/>
   </p:sldIdLst>
   <p:sldSz cx="12192000" cy="6858000"/>
   <p:notesSz cx="6858000" cy="9144000"/>
@@ -180,6 +181,33 @@
 </inkml:ink>
 </file>
 
+<file path=ppt/ink/ink3.xml><?xml version="1.0" encoding="utf-8"?>
+<inkml:ink xmlns:inkml="http://www.w3.org/2003/InkML">
+  <inkml:definitions>
+    <inkml:context xml:id="ctx0">
+      <inkml:inkSource xml:id="inkSrc0">
+        <inkml:traceFormat>
+          <inkml:channel name="X" type="integer" min="-2.14748E9" max="2.14748E9" units="cm"/>
+          <inkml:channel name="Y" type="integer" min="-2.14748E9" max="2.14748E9" units="cm"/>
+          <inkml:channel name="F" type="integer" max="32767" units="dev"/>
+        </inkml:traceFormat>
+        <inkml:channelProperties>
+          <inkml:channelProperty channel="X" name="resolution" value="1000" units="1/cm"/>
+          <inkml:channelProperty channel="Y" name="resolution" value="1000" units="1/cm"/>
+          <inkml:channelProperty channel="F" name="resolution" value="0" units="1/dev"/>
+        </inkml:channelProperties>
+      </inkml:inkSource>
+      <inkml:timestamp xml:id="ts0" timeString="2022-05-22T07:02:51.042"/>
+    </inkml:context>
+    <inkml:brush xml:id="br0">
+      <inkml:brushProperty name="width" value="0.05" units="cm"/>
+      <inkml:brushProperty name="height" value="0.05" units="cm"/>
+    </inkml:brush>
+  </inkml:definitions>
+  <inkml:trace contextRef="#ctx0" brushRef="#br0">0 0 24575</inkml:trace>
+</inkml:ink>
+</file>
+
 <file path=ppt/slideLayouts/slideLayout1.xml><?xml version="1.0" encoding="utf-8"?>
 <p:sldLayout xmlns:a="http://schemas.openxmlformats.org/drawingml/2006/main" xmlns:r="http://schemas.openxmlformats.org/officeDocument/2006/relationships" xmlns:p="http://schemas.openxmlformats.org/presentationml/2006/main" type="title" preserve="1">
   <p:cSld name="タイトル スライド">
@@ -327,7 +355,7 @@
           <a:p>
             <a:fld id="{48A87A34-81AB-432B-8DAE-1953F412C126}" type="datetimeFigureOut">
               <a:rPr lang="en-US" smtClean="0"/>
-              <a:t>7/11/2022</a:t>
+              <a:t>7/25/2022</a:t>
             </a:fld>
             <a:endParaRPr lang="en-US" dirty="0"/>
           </a:p>
@@ -557,7 +585,7 @@
           <a:p>
             <a:fld id="{48A87A34-81AB-432B-8DAE-1953F412C126}" type="datetimeFigureOut">
               <a:rPr lang="en-US" smtClean="0"/>
-              <a:t>7/11/2022</a:t>
+              <a:t>7/25/2022</a:t>
             </a:fld>
             <a:endParaRPr lang="en-US" dirty="0"/>
           </a:p>
@@ -797,7 +825,7 @@
           <a:p>
             <a:fld id="{48A87A34-81AB-432B-8DAE-1953F412C126}" type="datetimeFigureOut">
               <a:rPr lang="en-US" smtClean="0"/>
-              <a:t>7/11/2022</a:t>
+              <a:t>7/25/2022</a:t>
             </a:fld>
             <a:endParaRPr lang="en-US" dirty="0"/>
           </a:p>
@@ -1027,7 +1055,7 @@
           <a:p>
             <a:fld id="{48A87A34-81AB-432B-8DAE-1953F412C126}" type="datetimeFigureOut">
               <a:rPr lang="en-US" smtClean="0"/>
-              <a:t>7/11/2022</a:t>
+              <a:t>7/25/2022</a:t>
             </a:fld>
             <a:endParaRPr lang="en-US" dirty="0"/>
           </a:p>
@@ -1302,7 +1330,7 @@
           <a:p>
             <a:fld id="{48A87A34-81AB-432B-8DAE-1953F412C126}" type="datetimeFigureOut">
               <a:rPr lang="en-US" smtClean="0"/>
-              <a:t>7/11/2022</a:t>
+              <a:t>7/25/2022</a:t>
             </a:fld>
             <a:endParaRPr lang="en-US" dirty="0"/>
           </a:p>
@@ -1631,7 +1659,7 @@
           <a:p>
             <a:fld id="{48A87A34-81AB-432B-8DAE-1953F412C126}" type="datetimeFigureOut">
               <a:rPr lang="en-US" smtClean="0"/>
-              <a:t>7/11/2022</a:t>
+              <a:t>7/25/2022</a:t>
             </a:fld>
             <a:endParaRPr lang="en-US" dirty="0"/>
           </a:p>
@@ -2107,7 +2135,7 @@
           <a:p>
             <a:fld id="{48A87A34-81AB-432B-8DAE-1953F412C126}" type="datetimeFigureOut">
               <a:rPr lang="en-US" smtClean="0"/>
-              <a:t>7/11/2022</a:t>
+              <a:t>7/25/2022</a:t>
             </a:fld>
             <a:endParaRPr lang="en-US" dirty="0"/>
           </a:p>
@@ -2248,7 +2276,7 @@
           <a:p>
             <a:fld id="{48A87A34-81AB-432B-8DAE-1953F412C126}" type="datetimeFigureOut">
               <a:rPr lang="en-US" smtClean="0"/>
-              <a:t>7/11/2022</a:t>
+              <a:t>7/25/2022</a:t>
             </a:fld>
             <a:endParaRPr lang="en-US" dirty="0"/>
           </a:p>
@@ -2361,7 +2389,7 @@
           <a:p>
             <a:fld id="{48A87A34-81AB-432B-8DAE-1953F412C126}" type="datetimeFigureOut">
               <a:rPr lang="en-US" smtClean="0"/>
-              <a:t>7/11/2022</a:t>
+              <a:t>7/25/2022</a:t>
             </a:fld>
             <a:endParaRPr lang="en-US" dirty="0"/>
           </a:p>
@@ -2704,7 +2732,7 @@
           <a:p>
             <a:fld id="{48A87A34-81AB-432B-8DAE-1953F412C126}" type="datetimeFigureOut">
               <a:rPr lang="en-US" smtClean="0"/>
-              <a:t>7/11/2022</a:t>
+              <a:t>7/25/2022</a:t>
             </a:fld>
             <a:endParaRPr lang="en-US" dirty="0"/>
           </a:p>
@@ -2993,7 +3021,7 @@
             <a:fld id="{48A87A34-81AB-432B-8DAE-1953F412C126}" type="datetimeFigureOut">
               <a:rPr lang="en-US" smtClean="0"/>
               <a:pPr/>
-              <a:t>7/11/2022</a:t>
+              <a:t>7/25/2022</a:t>
             </a:fld>
             <a:endParaRPr lang="en-US" dirty="0"/>
           </a:p>
@@ -3267,7 +3295,7 @@
             <a:fld id="{48A87A34-81AB-432B-8DAE-1953F412C126}" type="datetimeFigureOut">
               <a:rPr lang="en-US" smtClean="0"/>
               <a:pPr/>
-              <a:t>7/11/2022</a:t>
+              <a:t>7/25/2022</a:t>
             </a:fld>
             <a:endParaRPr lang="en-US" dirty="0"/>
           </a:p>
@@ -4366,6 +4394,408 @@
         </p:nvSpPr>
         <p:spPr>
           <a:xfrm>
+            <a:off x="0" y="0"/>
+            <a:ext cx="12256168" cy="6858000"/>
+          </a:xfrm>
+          <a:prstGeom prst="rect">
+            <a:avLst/>
+          </a:prstGeom>
+          <a:solidFill>
+            <a:schemeClr val="accent2">
+              <a:lumMod val="20000"/>
+              <a:lumOff val="80000"/>
+            </a:schemeClr>
+          </a:solidFill>
+        </p:spPr>
+        <p:style>
+          <a:lnRef idx="2">
+            <a:schemeClr val="accent2">
+              <a:shade val="50000"/>
+            </a:schemeClr>
+          </a:lnRef>
+          <a:fillRef idx="1">
+            <a:schemeClr val="accent2"/>
+          </a:fillRef>
+          <a:effectRef idx="0">
+            <a:schemeClr val="accent2"/>
+          </a:effectRef>
+          <a:fontRef idx="minor">
+            <a:schemeClr val="lt1"/>
+          </a:fontRef>
+        </p:style>
+        <p:txBody>
+          <a:bodyPr rtlCol="0" anchor="ctr"/>
+          <a:lstStyle/>
+          <a:p>
+            <a:pPr algn="ctr"/>
+            <a:endParaRPr kumimoji="1" lang="ja-JP" altLang="en-US" sz="4800" b="1" dirty="0">
+              <a:solidFill>
+                <a:schemeClr val="tx1"/>
+              </a:solidFill>
+            </a:endParaRPr>
+          </a:p>
+        </p:txBody>
+      </p:sp>
+      <p:sp>
+        <p:nvSpPr>
+          <p:cNvPr id="5" name="正方形/長方形 4">
+            <a:extLst>
+              <a:ext uri="{FF2B5EF4-FFF2-40B4-BE49-F238E27FC236}">
+                <a16:creationId xmlns:a16="http://schemas.microsoft.com/office/drawing/2014/main" id="{13E2DDFB-DD74-1E35-6872-347ED082CB3D}"/>
+              </a:ext>
+            </a:extLst>
+          </p:cNvPr>
+          <p:cNvSpPr/>
+          <p:nvPr/>
+        </p:nvSpPr>
+        <p:spPr>
+          <a:xfrm>
+            <a:off x="-19050" y="1634243"/>
+            <a:ext cx="12256168" cy="96253"/>
+          </a:xfrm>
+          <a:prstGeom prst="rect">
+            <a:avLst/>
+          </a:prstGeom>
+          <a:solidFill>
+            <a:schemeClr val="accent2">
+              <a:lumMod val="75000"/>
+            </a:schemeClr>
+          </a:solidFill>
+          <a:ln>
+            <a:noFill/>
+          </a:ln>
+        </p:spPr>
+        <p:style>
+          <a:lnRef idx="2">
+            <a:schemeClr val="accent1">
+              <a:shade val="50000"/>
+            </a:schemeClr>
+          </a:lnRef>
+          <a:fillRef idx="1">
+            <a:schemeClr val="accent1"/>
+          </a:fillRef>
+          <a:effectRef idx="0">
+            <a:schemeClr val="accent1"/>
+          </a:effectRef>
+          <a:fontRef idx="minor">
+            <a:schemeClr val="lt1"/>
+          </a:fontRef>
+        </p:style>
+        <p:txBody>
+          <a:bodyPr rtlCol="0" anchor="ctr"/>
+          <a:lstStyle/>
+          <a:p>
+            <a:pPr algn="ctr"/>
+            <a:endParaRPr kumimoji="1" lang="ja-JP" altLang="en-US"/>
+          </a:p>
+        </p:txBody>
+      </p:sp>
+      <p:sp>
+        <p:nvSpPr>
+          <p:cNvPr id="8" name="正方形/長方形 7">
+            <a:extLst>
+              <a:ext uri="{FF2B5EF4-FFF2-40B4-BE49-F238E27FC236}">
+                <a16:creationId xmlns:a16="http://schemas.microsoft.com/office/drawing/2014/main" id="{9174F777-3707-B77E-F507-44E2665CBD04}"/>
+              </a:ext>
+            </a:extLst>
+          </p:cNvPr>
+          <p:cNvSpPr/>
+          <p:nvPr/>
+        </p:nvSpPr>
+        <p:spPr>
+          <a:xfrm flipH="1">
+            <a:off x="808350" y="489284"/>
+            <a:ext cx="162196" cy="755210"/>
+          </a:xfrm>
+          <a:prstGeom prst="rect">
+            <a:avLst/>
+          </a:prstGeom>
+          <a:solidFill>
+            <a:schemeClr val="accent2">
+              <a:lumMod val="75000"/>
+            </a:schemeClr>
+          </a:solidFill>
+          <a:ln>
+            <a:noFill/>
+          </a:ln>
+        </p:spPr>
+        <p:style>
+          <a:lnRef idx="2">
+            <a:schemeClr val="accent1">
+              <a:shade val="50000"/>
+            </a:schemeClr>
+          </a:lnRef>
+          <a:fillRef idx="1">
+            <a:schemeClr val="accent1"/>
+          </a:fillRef>
+          <a:effectRef idx="0">
+            <a:schemeClr val="accent1"/>
+          </a:effectRef>
+          <a:fontRef idx="minor">
+            <a:schemeClr val="lt1"/>
+          </a:fontRef>
+        </p:style>
+        <p:txBody>
+          <a:bodyPr rtlCol="0" anchor="ctr"/>
+          <a:lstStyle/>
+          <a:p>
+            <a:pPr algn="ctr"/>
+            <a:endParaRPr kumimoji="1" lang="ja-JP" altLang="en-US"/>
+          </a:p>
+        </p:txBody>
+      </p:sp>
+      <p:sp>
+        <p:nvSpPr>
+          <p:cNvPr id="2" name="テキスト ボックス 1">
+            <a:extLst>
+              <a:ext uri="{FF2B5EF4-FFF2-40B4-BE49-F238E27FC236}">
+                <a16:creationId xmlns:a16="http://schemas.microsoft.com/office/drawing/2014/main" id="{FBE8D77F-117D-48DC-A527-1721EC553375}"/>
+              </a:ext>
+            </a:extLst>
+          </p:cNvPr>
+          <p:cNvSpPr txBox="1"/>
+          <p:nvPr/>
+        </p:nvSpPr>
+        <p:spPr>
+          <a:xfrm>
+            <a:off x="1138985" y="325084"/>
+            <a:ext cx="9074863" cy="1015663"/>
+          </a:xfrm>
+          <a:prstGeom prst="rect">
+            <a:avLst/>
+          </a:prstGeom>
+          <a:noFill/>
+        </p:spPr>
+        <p:txBody>
+          <a:bodyPr wrap="square" rtlCol="0">
+            <a:spAutoFit/>
+          </a:bodyPr>
+          <a:lstStyle/>
+          <a:p>
+            <a:r>
+              <a:rPr lang="ja-JP" altLang="en-US" sz="6000" dirty="0">
+                <a:latin typeface="HGS創英角ｺﾞｼｯｸUB" panose="020B0900000000000000" pitchFamily="50" charset="-128"/>
+                <a:ea typeface="HGS創英角ｺﾞｼｯｸUB" panose="020B0900000000000000" pitchFamily="50" charset="-128"/>
+              </a:rPr>
+              <a:t>先週まで行ったこと</a:t>
+            </a:r>
+            <a:endParaRPr kumimoji="1" lang="ja-JP" altLang="en-US" sz="6000" dirty="0">
+              <a:latin typeface="HGS創英角ｺﾞｼｯｸUB" panose="020B0900000000000000" pitchFamily="50" charset="-128"/>
+              <a:ea typeface="HGS創英角ｺﾞｼｯｸUB" panose="020B0900000000000000" pitchFamily="50" charset="-128"/>
+            </a:endParaRPr>
+          </a:p>
+        </p:txBody>
+      </p:sp>
+      <mc:AlternateContent xmlns:mc="http://schemas.openxmlformats.org/markup-compatibility/2006" xmlns:p14="http://schemas.microsoft.com/office/powerpoint/2010/main">
+        <mc:Choice Requires="p14">
+          <p:contentPart p14:bwMode="auto" r:id="rId2">
+            <p14:nvContentPartPr>
+              <p14:cNvPr id="22" name="インク 21">
+                <a:extLst>
+                  <a:ext uri="{FF2B5EF4-FFF2-40B4-BE49-F238E27FC236}">
+                    <a16:creationId xmlns:a16="http://schemas.microsoft.com/office/drawing/2014/main" id="{D4DA94EC-B5B1-ECB3-5618-933E628EE936}"/>
+                  </a:ext>
+                </a:extLst>
+              </p14:cNvPr>
+              <p14:cNvContentPartPr/>
+              <p14:nvPr/>
+            </p14:nvContentPartPr>
+            <p14:xfrm>
+              <a:off x="-2415388" y="785280"/>
+              <a:ext cx="360" cy="360"/>
+            </p14:xfrm>
+          </p:contentPart>
+        </mc:Choice>
+        <mc:Fallback xmlns="">
+          <p:pic>
+            <p:nvPicPr>
+              <p:cNvPr id="22" name="インク 21">
+                <a:extLst>
+                  <a:ext uri="{FF2B5EF4-FFF2-40B4-BE49-F238E27FC236}">
+                    <a16:creationId xmlns:a16="http://schemas.microsoft.com/office/drawing/2014/main" id="{D4DA94EC-B5B1-ECB3-5618-933E628EE936}"/>
+                  </a:ext>
+                </a:extLst>
+              </p:cNvPr>
+              <p:cNvPicPr/>
+              <p:nvPr/>
+            </p:nvPicPr>
+            <p:blipFill>
+              <a:blip r:embed="rId3"/>
+              <a:stretch>
+                <a:fillRect/>
+              </a:stretch>
+            </p:blipFill>
+            <p:spPr>
+              <a:xfrm>
+                <a:off x="-2424388" y="776280"/>
+                <a:ext cx="18000" cy="18000"/>
+              </a:xfrm>
+              <a:prstGeom prst="rect">
+                <a:avLst/>
+              </a:prstGeom>
+            </p:spPr>
+          </p:pic>
+        </mc:Fallback>
+      </mc:AlternateContent>
+      <p:sp>
+        <p:nvSpPr>
+          <p:cNvPr id="16" name="テキスト ボックス 15">
+            <a:extLst>
+              <a:ext uri="{FF2B5EF4-FFF2-40B4-BE49-F238E27FC236}">
+                <a16:creationId xmlns:a16="http://schemas.microsoft.com/office/drawing/2014/main" id="{46F216BF-2A30-6741-3EA5-2EFD1BA1CE4F}"/>
+              </a:ext>
+            </a:extLst>
+          </p:cNvPr>
+          <p:cNvSpPr txBox="1"/>
+          <p:nvPr/>
+        </p:nvSpPr>
+        <p:spPr>
+          <a:xfrm>
+            <a:off x="808350" y="2023992"/>
+            <a:ext cx="8804573" cy="3416320"/>
+          </a:xfrm>
+          <a:prstGeom prst="rect">
+            <a:avLst/>
+          </a:prstGeom>
+          <a:noFill/>
+        </p:spPr>
+        <p:txBody>
+          <a:bodyPr wrap="square" rtlCol="0">
+            <a:spAutoFit/>
+          </a:bodyPr>
+          <a:lstStyle/>
+          <a:p>
+            <a:r>
+              <a:rPr kumimoji="1" lang="ja-JP" altLang="en-US" sz="3600" u="sng" dirty="0">
+                <a:latin typeface="HGS創英角ｺﾞｼｯｸUB" panose="020B0900000000000000" pitchFamily="50" charset="-128"/>
+                <a:ea typeface="HGS創英角ｺﾞｼｯｸUB" panose="020B0900000000000000" pitchFamily="50" charset="-128"/>
+              </a:rPr>
+              <a:t>・</a:t>
+            </a:r>
+            <a:r>
+              <a:rPr lang="ja-JP" altLang="en-US" sz="3600" u="sng" dirty="0">
+                <a:latin typeface="HGS創英角ｺﾞｼｯｸUB" panose="020B0900000000000000" pitchFamily="50" charset="-128"/>
+                <a:ea typeface="HGS創英角ｺﾞｼｯｸUB" panose="020B0900000000000000" pitchFamily="50" charset="-128"/>
+              </a:rPr>
+              <a:t>集中の定義</a:t>
+            </a:r>
+            <a:endParaRPr lang="en-US" altLang="ja-JP" sz="3600" u="sng" dirty="0">
+              <a:latin typeface="HGS創英角ｺﾞｼｯｸUB" panose="020B0900000000000000" pitchFamily="50" charset="-128"/>
+              <a:ea typeface="HGS創英角ｺﾞｼｯｸUB" panose="020B0900000000000000" pitchFamily="50" charset="-128"/>
+            </a:endParaRPr>
+          </a:p>
+          <a:p>
+            <a:r>
+              <a:rPr kumimoji="1" lang="ja-JP" altLang="en-US" sz="3600" b="1" dirty="0">
+                <a:latin typeface="HGS創英角ｺﾞｼｯｸUB" panose="020B0900000000000000" pitchFamily="50" charset="-128"/>
+                <a:ea typeface="HGS創英角ｺﾞｼｯｸUB" panose="020B0900000000000000" pitchFamily="50" charset="-128"/>
+              </a:rPr>
+              <a:t>→</a:t>
+            </a:r>
+            <a:r>
+              <a:rPr kumimoji="1" lang="ja-JP" altLang="en-US" sz="3600" dirty="0">
+                <a:latin typeface="HGS創英角ｺﾞｼｯｸUB" panose="020B0900000000000000" pitchFamily="50" charset="-128"/>
+                <a:ea typeface="HGS創英角ｺﾞｼｯｸUB" panose="020B0900000000000000" pitchFamily="50" charset="-128"/>
+              </a:rPr>
+              <a:t>「</a:t>
+            </a:r>
+            <a:r>
+              <a:rPr kumimoji="1" lang="en-US" altLang="ja-JP" sz="3600" dirty="0">
+                <a:latin typeface="HGS創英角ｺﾞｼｯｸUB" panose="020B0900000000000000" pitchFamily="50" charset="-128"/>
+                <a:ea typeface="HGS創英角ｺﾞｼｯｸUB" panose="020B0900000000000000" pitchFamily="50" charset="-128"/>
+              </a:rPr>
+              <a:t>1</a:t>
+            </a:r>
+            <a:r>
+              <a:rPr kumimoji="1" lang="ja-JP" altLang="en-US" sz="3600" dirty="0">
+                <a:latin typeface="HGS創英角ｺﾞｼｯｸUB" panose="020B0900000000000000" pitchFamily="50" charset="-128"/>
+                <a:ea typeface="HGS創英角ｺﾞｼｯｸUB" panose="020B0900000000000000" pitchFamily="50" charset="-128"/>
+              </a:rPr>
+              <a:t>つの事柄に注意を向け物事に取り組んでいる」状態</a:t>
+            </a:r>
+            <a:endParaRPr kumimoji="1" lang="en-US" altLang="ja-JP" sz="3600" dirty="0">
+              <a:latin typeface="HGS創英角ｺﾞｼｯｸUB" panose="020B0900000000000000" pitchFamily="50" charset="-128"/>
+              <a:ea typeface="HGS創英角ｺﾞｼｯｸUB" panose="020B0900000000000000" pitchFamily="50" charset="-128"/>
+            </a:endParaRPr>
+          </a:p>
+          <a:p>
+            <a:endParaRPr lang="en-US" altLang="ja-JP" sz="3600" b="1" dirty="0">
+              <a:latin typeface="HGS創英角ｺﾞｼｯｸUB" panose="020B0900000000000000" pitchFamily="50" charset="-128"/>
+              <a:ea typeface="HGS創英角ｺﾞｼｯｸUB" panose="020B0900000000000000" pitchFamily="50" charset="-128"/>
+            </a:endParaRPr>
+          </a:p>
+          <a:p>
+            <a:r>
+              <a:rPr kumimoji="1" lang="ja-JP" altLang="en-US" sz="3600" u="sng" dirty="0">
+                <a:latin typeface="HGS創英角ｺﾞｼｯｸUB" panose="020B0900000000000000" pitchFamily="50" charset="-128"/>
+                <a:ea typeface="HGS創英角ｺﾞｼｯｸUB" panose="020B0900000000000000" pitchFamily="50" charset="-128"/>
+              </a:rPr>
+              <a:t>・注意の定義</a:t>
+            </a:r>
+            <a:endParaRPr kumimoji="1" lang="en-US" altLang="ja-JP" sz="3600" u="sng" dirty="0">
+              <a:latin typeface="HGS創英角ｺﾞｼｯｸUB" panose="020B0900000000000000" pitchFamily="50" charset="-128"/>
+              <a:ea typeface="HGS創英角ｺﾞｼｯｸUB" panose="020B0900000000000000" pitchFamily="50" charset="-128"/>
+            </a:endParaRPr>
+          </a:p>
+          <a:p>
+            <a:r>
+              <a:rPr lang="ja-JP" altLang="en-US" sz="3600" dirty="0">
+                <a:latin typeface="HGS創英角ｺﾞｼｯｸUB" panose="020B0900000000000000" pitchFamily="50" charset="-128"/>
+                <a:ea typeface="HGS創英角ｺﾞｼｯｸUB" panose="020B0900000000000000" pitchFamily="50" charset="-128"/>
+              </a:rPr>
+              <a:t>→「外部からの刺激を選択する働き」</a:t>
+            </a:r>
+            <a:endParaRPr kumimoji="1" lang="en-US" altLang="ja-JP" sz="3600" dirty="0">
+              <a:latin typeface="HGS創英角ｺﾞｼｯｸUB" panose="020B0900000000000000" pitchFamily="50" charset="-128"/>
+              <a:ea typeface="HGS創英角ｺﾞｼｯｸUB" panose="020B0900000000000000" pitchFamily="50" charset="-128"/>
+            </a:endParaRPr>
+          </a:p>
+        </p:txBody>
+      </p:sp>
+    </p:spTree>
+    <p:extLst>
+      <p:ext uri="{BB962C8B-B14F-4D97-AF65-F5344CB8AC3E}">
+        <p14:creationId xmlns:p14="http://schemas.microsoft.com/office/powerpoint/2010/main" val="2644235366"/>
+      </p:ext>
+    </p:extLst>
+  </p:cSld>
+  <p:clrMapOvr>
+    <a:masterClrMapping/>
+  </p:clrMapOvr>
+</p:sld>
+</file>
+
+<file path=ppt/slides/slide4.xml><?xml version="1.0" encoding="utf-8"?>
+<p:sld xmlns:a="http://schemas.openxmlformats.org/drawingml/2006/main" xmlns:r="http://schemas.openxmlformats.org/officeDocument/2006/relationships" xmlns:p="http://schemas.openxmlformats.org/presentationml/2006/main">
+  <p:cSld>
+    <p:spTree>
+      <p:nvGrpSpPr>
+        <p:cNvPr id="1" name=""/>
+        <p:cNvGrpSpPr/>
+        <p:nvPr/>
+      </p:nvGrpSpPr>
+      <p:grpSpPr>
+        <a:xfrm>
+          <a:off x="0" y="0"/>
+          <a:ext cx="0" cy="0"/>
+          <a:chOff x="0" y="0"/>
+          <a:chExt cx="0" cy="0"/>
+        </a:xfrm>
+      </p:grpSpPr>
+      <p:sp>
+        <p:nvSpPr>
+          <p:cNvPr id="4" name="正方形/長方形 3">
+            <a:extLst>
+              <a:ext uri="{FF2B5EF4-FFF2-40B4-BE49-F238E27FC236}">
+                <a16:creationId xmlns:a16="http://schemas.microsoft.com/office/drawing/2014/main" id="{537B97F4-E983-2356-6027-1540E66EAFCE}"/>
+              </a:ext>
+            </a:extLst>
+          </p:cNvPr>
+          <p:cNvSpPr/>
+          <p:nvPr/>
+        </p:nvSpPr>
+        <p:spPr>
+          <a:xfrm>
             <a:off x="-19050" y="0"/>
             <a:ext cx="12256168" cy="6858000"/>
           </a:xfrm>

--- a/発表_p/20220627_発表.pptx
+++ b/発表_p/20220627_発表.pptx
@@ -4796,7 +4796,7 @@
         </p:nvSpPr>
         <p:spPr>
           <a:xfrm>
-            <a:off x="-19050" y="0"/>
+            <a:off x="-19050" y="-65315"/>
             <a:ext cx="12256168" cy="6858000"/>
           </a:xfrm>
           <a:prstGeom prst="rect">
